--- a/slides/Azure-ACR.pptx
+++ b/slides/Azure-ACR.pptx
@@ -13334,6 +13334,39 @@
             </a:r>
             <a:r>
               <a:rPr lang="de-AT" dirty="0"/>
+              <a:t> </a:t>
+            </a:r>
+            <a:r>
+              <a:rPr lang="de-AT" dirty="0" err="1"/>
+              <a:t>slides</a:t>
+            </a:r>
+            <a:r>
+              <a:rPr lang="de-AT" dirty="0"/>
+              <a:t> on </a:t>
+            </a:r>
+            <a:r>
+              <a:rPr lang="de-AT" dirty="0" err="1"/>
+              <a:t>Speakerdeck</a:t>
+            </a:r>
+            <a:endParaRPr lang="de-AT" dirty="0"/>
+          </a:p>
+          <a:p>
+            <a:pPr lvl="1"/>
+            <a:r>
+              <a:rPr lang="de-AT" dirty="0">
+                <a:hlinkClick r:id="rId2"/>
+              </a:rPr>
+              <a:t>http://bit.ly/acr-doc-muc-slides</a:t>
+            </a:r>
+            <a:endParaRPr lang="de-AT" dirty="0"/>
+          </a:p>
+          <a:p>
+            <a:r>
+              <a:rPr lang="de-AT" dirty="0" err="1"/>
+              <a:t>Get</a:t>
+            </a:r>
+            <a:r>
+              <a:rPr lang="de-AT" dirty="0"/>
               <a:t> sample </a:t>
             </a:r>
             <a:r>
@@ -13349,7 +13382,7 @@
             <a:pPr lvl="1"/>
             <a:r>
               <a:rPr lang="de-AT" dirty="0">
-                <a:hlinkClick r:id="rId2"/>
+                <a:hlinkClick r:id="rId3"/>
               </a:rPr>
               <a:t>http://bit.ly/doc-muc-acr</a:t>
             </a:r>
@@ -15663,12 +15696,9 @@
 </file>
 
 <file path=customXml/item1.xml><?xml version="1.0" encoding="utf-8"?>
-<?mso-contentType ?>
-<FormTemplates xmlns="http://schemas.microsoft.com/sharepoint/v3/contenttype/forms">
-  <Display>DocumentLibraryForm</Display>
-  <Edit>DocumentLibraryForm</Edit>
-  <New>DocumentLibraryForm</New>
-</FormTemplates>
+<p:properties xmlns:p="http://schemas.microsoft.com/office/2006/metadata/properties" xmlns:xsi="http://www.w3.org/2001/XMLSchema-instance">
+  <documentManagement/>
+</p:properties>
 </file>
 
 <file path=customXml/item2.xml><?xml version="1.0" encoding="utf-8"?>
@@ -15721,15 +15751,24 @@
 </file>
 
 <file path=customXml/item3.xml><?xml version="1.0" encoding="utf-8"?>
-<p:properties xmlns:p="http://schemas.microsoft.com/office/2006/metadata/properties" xmlns:xsi="http://www.w3.org/2001/XMLSchema-instance">
-  <documentManagement/>
-</p:properties>
+<?mso-contentType ?>
+<FormTemplates xmlns="http://schemas.microsoft.com/sharepoint/v3/contenttype/forms">
+  <Display>DocumentLibraryForm</Display>
+  <Edit>DocumentLibraryForm</Edit>
+  <New>DocumentLibraryForm</New>
+</FormTemplates>
 </file>
 
 <file path=customXml/itemProps1.xml><?xml version="1.0" encoding="utf-8"?>
-<ds:datastoreItem xmlns:ds="http://schemas.openxmlformats.org/officeDocument/2006/customXml" ds:itemID="{B978F6DD-25A2-48DB-A93B-386E9DA01ECA}">
+<ds:datastoreItem xmlns:ds="http://schemas.openxmlformats.org/officeDocument/2006/customXml" ds:itemID="{03D43D4A-F5F8-47F6-A4EC-521F433C91BF}">
   <ds:schemaRefs>
-    <ds:schemaRef ds:uri="http://schemas.microsoft.com/sharepoint/v3/contenttype/forms"/>
+    <ds:schemaRef ds:uri="http://schemas.openxmlformats.org/package/2006/metadata/core-properties"/>
+    <ds:schemaRef ds:uri="http://purl.org/dc/dcmitype/"/>
+    <ds:schemaRef ds:uri="http://schemas.microsoft.com/office/2006/documentManagement/types"/>
+    <ds:schemaRef ds:uri="http://purl.org/dc/elements/1.1/"/>
+    <ds:schemaRef ds:uri="http://schemas.microsoft.com/office/2006/metadata/properties"/>
+    <ds:schemaRef ds:uri="http://purl.org/dc/terms/"/>
+    <ds:schemaRef ds:uri="http://www.w3.org/XML/1998/namespace"/>
   </ds:schemaRefs>
 </ds:datastoreItem>
 </file>
@@ -15750,15 +15789,9 @@
 </file>
 
 <file path=customXml/itemProps3.xml><?xml version="1.0" encoding="utf-8"?>
-<ds:datastoreItem xmlns:ds="http://schemas.openxmlformats.org/officeDocument/2006/customXml" ds:itemID="{03D43D4A-F5F8-47F6-A4EC-521F433C91BF}">
+<ds:datastoreItem xmlns:ds="http://schemas.openxmlformats.org/officeDocument/2006/customXml" ds:itemID="{B978F6DD-25A2-48DB-A93B-386E9DA01ECA}">
   <ds:schemaRefs>
-    <ds:schemaRef ds:uri="http://purl.org/dc/elements/1.1/"/>
-    <ds:schemaRef ds:uri="http://schemas.microsoft.com/office/2006/metadata/properties"/>
-    <ds:schemaRef ds:uri="http://purl.org/dc/terms/"/>
-    <ds:schemaRef ds:uri="http://schemas.openxmlformats.org/package/2006/metadata/core-properties"/>
-    <ds:schemaRef ds:uri="http://schemas.microsoft.com/office/2006/documentManagement/types"/>
-    <ds:schemaRef ds:uri="http://www.w3.org/XML/1998/namespace"/>
-    <ds:schemaRef ds:uri="http://purl.org/dc/dcmitype/"/>
+    <ds:schemaRef ds:uri="http://schemas.microsoft.com/sharepoint/v3/contenttype/forms"/>
   </ds:schemaRefs>
 </ds:datastoreItem>
 </file>